--- a/paper and ppt/multiple_DL_architecture.pptx
+++ b/paper and ppt/multiple_DL_architecture.pptx
@@ -10,6 +10,8 @@
     <p:sldId id="258" r:id="rId4"/>
     <p:sldId id="259" r:id="rId5"/>
     <p:sldId id="260" r:id="rId6"/>
+    <p:sldId id="261" r:id="rId7"/>
+    <p:sldId id="262" r:id="rId8"/>
   </p:sldIdLst>
   <p:sldSz cx="12192000" cy="6858000"/>
   <p:notesSz cx="6858000" cy="9144000"/>
@@ -247,7 +249,7 @@
           <a:p>
             <a:fld id="{1797B74B-0F80-4CD6-9460-7E22DD02B631}" type="datetimeFigureOut">
               <a:rPr lang="zh-CN" altLang="en-US" smtClean="0"/>
-              <a:t>2019/12/24</a:t>
+              <a:t>2019/12/30</a:t>
             </a:fld>
             <a:endParaRPr lang="zh-CN" altLang="en-US"/>
           </a:p>
@@ -417,7 +419,7 @@
           <a:p>
             <a:fld id="{1797B74B-0F80-4CD6-9460-7E22DD02B631}" type="datetimeFigureOut">
               <a:rPr lang="zh-CN" altLang="en-US" smtClean="0"/>
-              <a:t>2019/12/24</a:t>
+              <a:t>2019/12/30</a:t>
             </a:fld>
             <a:endParaRPr lang="zh-CN" altLang="en-US"/>
           </a:p>
@@ -597,7 +599,7 @@
           <a:p>
             <a:fld id="{1797B74B-0F80-4CD6-9460-7E22DD02B631}" type="datetimeFigureOut">
               <a:rPr lang="zh-CN" altLang="en-US" smtClean="0"/>
-              <a:t>2019/12/24</a:t>
+              <a:t>2019/12/30</a:t>
             </a:fld>
             <a:endParaRPr lang="zh-CN" altLang="en-US"/>
           </a:p>
@@ -767,7 +769,7 @@
           <a:p>
             <a:fld id="{1797B74B-0F80-4CD6-9460-7E22DD02B631}" type="datetimeFigureOut">
               <a:rPr lang="zh-CN" altLang="en-US" smtClean="0"/>
-              <a:t>2019/12/24</a:t>
+              <a:t>2019/12/30</a:t>
             </a:fld>
             <a:endParaRPr lang="zh-CN" altLang="en-US"/>
           </a:p>
@@ -1013,7 +1015,7 @@
           <a:p>
             <a:fld id="{1797B74B-0F80-4CD6-9460-7E22DD02B631}" type="datetimeFigureOut">
               <a:rPr lang="zh-CN" altLang="en-US" smtClean="0"/>
-              <a:t>2019/12/24</a:t>
+              <a:t>2019/12/30</a:t>
             </a:fld>
             <a:endParaRPr lang="zh-CN" altLang="en-US"/>
           </a:p>
@@ -1245,7 +1247,7 @@
           <a:p>
             <a:fld id="{1797B74B-0F80-4CD6-9460-7E22DD02B631}" type="datetimeFigureOut">
               <a:rPr lang="zh-CN" altLang="en-US" smtClean="0"/>
-              <a:t>2019/12/24</a:t>
+              <a:t>2019/12/30</a:t>
             </a:fld>
             <a:endParaRPr lang="zh-CN" altLang="en-US"/>
           </a:p>
@@ -1612,7 +1614,7 @@
           <a:p>
             <a:fld id="{1797B74B-0F80-4CD6-9460-7E22DD02B631}" type="datetimeFigureOut">
               <a:rPr lang="zh-CN" altLang="en-US" smtClean="0"/>
-              <a:t>2019/12/24</a:t>
+              <a:t>2019/12/30</a:t>
             </a:fld>
             <a:endParaRPr lang="zh-CN" altLang="en-US"/>
           </a:p>
@@ -1730,7 +1732,7 @@
           <a:p>
             <a:fld id="{1797B74B-0F80-4CD6-9460-7E22DD02B631}" type="datetimeFigureOut">
               <a:rPr lang="zh-CN" altLang="en-US" smtClean="0"/>
-              <a:t>2019/12/24</a:t>
+              <a:t>2019/12/30</a:t>
             </a:fld>
             <a:endParaRPr lang="zh-CN" altLang="en-US"/>
           </a:p>
@@ -1825,7 +1827,7 @@
           <a:p>
             <a:fld id="{1797B74B-0F80-4CD6-9460-7E22DD02B631}" type="datetimeFigureOut">
               <a:rPr lang="zh-CN" altLang="en-US" smtClean="0"/>
-              <a:t>2019/12/24</a:t>
+              <a:t>2019/12/30</a:t>
             </a:fld>
             <a:endParaRPr lang="zh-CN" altLang="en-US"/>
           </a:p>
@@ -2102,7 +2104,7 @@
           <a:p>
             <a:fld id="{1797B74B-0F80-4CD6-9460-7E22DD02B631}" type="datetimeFigureOut">
               <a:rPr lang="zh-CN" altLang="en-US" smtClean="0"/>
-              <a:t>2019/12/24</a:t>
+              <a:t>2019/12/30</a:t>
             </a:fld>
             <a:endParaRPr lang="zh-CN" altLang="en-US"/>
           </a:p>
@@ -2355,7 +2357,7 @@
           <a:p>
             <a:fld id="{1797B74B-0F80-4CD6-9460-7E22DD02B631}" type="datetimeFigureOut">
               <a:rPr lang="zh-CN" altLang="en-US" smtClean="0"/>
-              <a:t>2019/12/24</a:t>
+              <a:t>2019/12/30</a:t>
             </a:fld>
             <a:endParaRPr lang="zh-CN" altLang="en-US"/>
           </a:p>
@@ -2568,7 +2570,7 @@
           <a:p>
             <a:fld id="{1797B74B-0F80-4CD6-9460-7E22DD02B631}" type="datetimeFigureOut">
               <a:rPr lang="zh-CN" altLang="en-US" smtClean="0"/>
-              <a:t>2019/12/24</a:t>
+              <a:t>2019/12/30</a:t>
             </a:fld>
             <a:endParaRPr lang="zh-CN" altLang="en-US"/>
           </a:p>
@@ -3313,11 +3315,7 @@
           <a:p>
             <a:r>
               <a:rPr lang="en-US" altLang="zh-CN" sz="2400" dirty="0" smtClean="0"/>
-              <a:t>Deep </a:t>
-            </a:r>
-            <a:r>
-              <a:rPr lang="en-US" altLang="zh-CN" sz="2400" dirty="0" smtClean="0"/>
-              <a:t>AR =  Deep Auto Regressive</a:t>
+              <a:t>Deep AR =  Deep Auto Regressive</a:t>
             </a:r>
             <a:endParaRPr lang="zh-CN" altLang="en-US" sz="2400" dirty="0"/>
           </a:p>
@@ -3864,18 +3862,14 @@
             </a:r>
             <a:r>
               <a:rPr lang="en-US" altLang="zh-CN" dirty="0" smtClean="0"/>
-              <a:t>= </a:t>
-            </a:r>
-            <a:r>
-              <a:rPr lang="en-US" altLang="zh-CN" dirty="0" smtClean="0"/>
-              <a:t>Decoder Length</a:t>
+              <a:t>= Decoder Length</a:t>
             </a:r>
             <a:endParaRPr lang="zh-CN" altLang="en-US" dirty="0"/>
           </a:p>
         </p:txBody>
       </p:sp>
-      <mc:AlternateContent xmlns:mc="http://schemas.openxmlformats.org/markup-compatibility/2006">
-        <mc:Choice xmlns:a14="http://schemas.microsoft.com/office/drawing/2010/main" Requires="a14">
+      <mc:AlternateContent xmlns:mc="http://schemas.openxmlformats.org/markup-compatibility/2006" xmlns:a14="http://schemas.microsoft.com/office/drawing/2010/main">
+        <mc:Choice Requires="a14">
           <p:sp>
             <p:nvSpPr>
               <p:cNvPr id="3" name="矩形 2"/>
@@ -3897,6 +3891,7 @@
               </a:bodyPr>
               <a:lstStyle/>
               <a:p>
+                <a:pPr/>
                 <a14:m>
                   <m:oMathPara xmlns:m="http://schemas.openxmlformats.org/officeDocument/2006/math">
                     <m:oMathParaPr>
@@ -3917,7 +3912,7 @@
             </p:txBody>
           </p:sp>
         </mc:Choice>
-        <mc:Fallback>
+        <mc:Fallback xmlns="">
           <p:sp>
             <p:nvSpPr>
               <p:cNvPr id="3" name="矩形 2"/>
@@ -3956,8 +3951,8 @@
           </p:sp>
         </mc:Fallback>
       </mc:AlternateContent>
-      <mc:AlternateContent xmlns:mc="http://schemas.openxmlformats.org/markup-compatibility/2006">
-        <mc:Choice xmlns:a14="http://schemas.microsoft.com/office/drawing/2010/main" Requires="a14">
+      <mc:AlternateContent xmlns:mc="http://schemas.openxmlformats.org/markup-compatibility/2006" xmlns:a14="http://schemas.microsoft.com/office/drawing/2010/main">
+        <mc:Choice Requires="a14">
           <p:sp>
             <p:nvSpPr>
               <p:cNvPr id="4" name="矩形 3"/>
@@ -3979,6 +3974,7 @@
               </a:bodyPr>
               <a:lstStyle/>
               <a:p>
+                <a:pPr/>
                 <a14:m>
                   <m:oMathPara xmlns:m="http://schemas.openxmlformats.org/officeDocument/2006/math">
                     <m:oMathParaPr>
@@ -3990,7 +3986,7 @@
                           <m:begChr m:val="["/>
                           <m:endChr m:val="]"/>
                           <m:ctrlPr>
-                            <a:rPr lang="zh-CN" altLang="en-US">
+                            <a:rPr lang="zh-CN" altLang="en-US" i="1">
                               <a:latin typeface="Cambria Math" panose="02040503050406030204" pitchFamily="18" charset="0"/>
                             </a:rPr>
                           </m:ctrlPr>
@@ -4087,7 +4083,7 @@
             </p:txBody>
           </p:sp>
         </mc:Choice>
-        <mc:Fallback>
+        <mc:Fallback xmlns="">
           <p:sp>
             <p:nvSpPr>
               <p:cNvPr id="4" name="矩形 3"/>
@@ -4228,7 +4224,7 @@
           <p:cNvPr id="6" name="文本框 5">
             <a:extLst>
               <a:ext uri="{FF2B5EF4-FFF2-40B4-BE49-F238E27FC236}">
-                <a16:creationId xmlns:a16="http://schemas.microsoft.com/office/drawing/2014/main" xmlns="" id="{F6DAE683-71C3-3148-87A1-690722C48E85}"/>
+                <a16:creationId xmlns="" xmlns:a16="http://schemas.microsoft.com/office/drawing/2014/main" id="{F6DAE683-71C3-3148-87A1-690722C48E85}"/>
               </a:ext>
             </a:extLst>
           </p:cNvPr>
@@ -4331,8 +4327,8 @@
           </a:p>
         </p:txBody>
       </p:sp>
-      <mc:AlternateContent xmlns:mc="http://schemas.openxmlformats.org/markup-compatibility/2006">
-        <mc:Choice xmlns:a14="http://schemas.microsoft.com/office/drawing/2010/main" Requires="a14">
+      <mc:AlternateContent xmlns:mc="http://schemas.openxmlformats.org/markup-compatibility/2006" xmlns:a14="http://schemas.microsoft.com/office/drawing/2010/main">
+        <mc:Choice Requires="a14">
           <p:sp>
             <p:nvSpPr>
               <p:cNvPr id="12" name="矩形 11"/>
@@ -4354,6 +4350,7 @@
               </a:bodyPr>
               <a:lstStyle/>
               <a:p>
+                <a:pPr/>
                 <a14:m>
                   <m:oMathPara xmlns:m="http://schemas.openxmlformats.org/officeDocument/2006/math">
                     <m:oMathParaPr>
@@ -4371,7 +4368,7 @@
                             </m:mc>
                           </m:mcs>
                           <m:ctrlPr>
-                            <a:rPr lang="zh-CN" altLang="en-US">
+                            <a:rPr lang="zh-CN" altLang="en-US" i="1">
                               <a:latin typeface="Cambria Math" panose="02040503050406030204" pitchFamily="18" charset="0"/>
                             </a:rPr>
                           </m:ctrlPr>
@@ -4688,7 +4685,7 @@
             </p:txBody>
           </p:sp>
         </mc:Choice>
-        <mc:Fallback>
+        <mc:Fallback xmlns="">
           <p:sp>
             <p:nvSpPr>
               <p:cNvPr id="12" name="矩形 11"/>
@@ -4877,7 +4874,7 @@
           <p:cNvPr id="4" name="文本框 3">
             <a:extLst>
               <a:ext uri="{FF2B5EF4-FFF2-40B4-BE49-F238E27FC236}">
-                <a16:creationId xmlns:a16="http://schemas.microsoft.com/office/drawing/2014/main" xmlns="" id="{F6DAE683-71C3-3148-87A1-690722C48E85}"/>
+                <a16:creationId xmlns="" xmlns:a16="http://schemas.microsoft.com/office/drawing/2014/main" id="{F6DAE683-71C3-3148-87A1-690722C48E85}"/>
               </a:ext>
             </a:extLst>
           </p:cNvPr>
@@ -5552,8 +5549,8 @@
           </a:p>
         </p:txBody>
       </p:sp>
-      <mc:AlternateContent xmlns:mc="http://schemas.openxmlformats.org/markup-compatibility/2006">
-        <mc:Choice xmlns:a14="http://schemas.microsoft.com/office/drawing/2010/main" Requires="a14">
+      <mc:AlternateContent xmlns:mc="http://schemas.openxmlformats.org/markup-compatibility/2006" xmlns:a14="http://schemas.microsoft.com/office/drawing/2010/main">
+        <mc:Choice Requires="a14">
           <p:sp>
             <p:nvSpPr>
               <p:cNvPr id="37" name="矩形 36"/>
@@ -5575,6 +5572,7 @@
               </a:bodyPr>
               <a:lstStyle/>
               <a:p>
+                <a:pPr/>
                 <a14:m>
                   <m:oMathPara xmlns:m="http://schemas.openxmlformats.org/officeDocument/2006/math">
                     <m:oMathParaPr>
@@ -5614,7 +5612,7 @@
             </p:txBody>
           </p:sp>
         </mc:Choice>
-        <mc:Fallback>
+        <mc:Fallback xmlns="">
           <p:sp>
             <p:nvSpPr>
               <p:cNvPr id="37" name="矩形 36"/>
@@ -5684,8 +5682,8 @@
           </a:p>
         </p:txBody>
       </p:sp>
-      <mc:AlternateContent xmlns:mc="http://schemas.openxmlformats.org/markup-compatibility/2006">
-        <mc:Choice xmlns:a14="http://schemas.microsoft.com/office/drawing/2010/main" Requires="a14">
+      <mc:AlternateContent xmlns:mc="http://schemas.openxmlformats.org/markup-compatibility/2006" xmlns:a14="http://schemas.microsoft.com/office/drawing/2010/main">
+        <mc:Choice Requires="a14">
           <p:sp>
             <p:nvSpPr>
               <p:cNvPr id="39" name="矩形 38"/>
@@ -5707,6 +5705,7 @@
               </a:bodyPr>
               <a:lstStyle/>
               <a:p>
+                <a:pPr/>
                 <a14:m>
                   <m:oMathPara xmlns:m="http://schemas.openxmlformats.org/officeDocument/2006/math">
                     <m:oMathParaPr>
@@ -5746,7 +5745,7 @@
             </p:txBody>
           </p:sp>
         </mc:Choice>
-        <mc:Fallback>
+        <mc:Fallback xmlns="">
           <p:sp>
             <p:nvSpPr>
               <p:cNvPr id="39" name="矩形 38"/>
@@ -6156,6 +6155,1359 @@
     <p:extLst>
       <p:ext uri="{BB962C8B-B14F-4D97-AF65-F5344CB8AC3E}">
         <p14:creationId xmlns:p14="http://schemas.microsoft.com/office/powerpoint/2010/main" val="4146486861"/>
+      </p:ext>
+    </p:extLst>
+  </p:cSld>
+  <p:clrMapOvr>
+    <a:masterClrMapping/>
+  </p:clrMapOvr>
+</p:sld>
+</file>
+
+<file path=ppt/slides/slide6.xml><?xml version="1.0" encoding="utf-8"?>
+<p:sld xmlns:a="http://schemas.openxmlformats.org/drawingml/2006/main" xmlns:r="http://schemas.openxmlformats.org/officeDocument/2006/relationships" xmlns:p="http://schemas.openxmlformats.org/presentationml/2006/main">
+  <p:cSld>
+    <p:spTree>
+      <p:nvGrpSpPr>
+        <p:cNvPr id="1" name=""/>
+        <p:cNvGrpSpPr/>
+        <p:nvPr/>
+      </p:nvGrpSpPr>
+      <p:grpSpPr>
+        <a:xfrm>
+          <a:off x="0" y="0"/>
+          <a:ext cx="0" cy="0"/>
+          <a:chOff x="0" y="0"/>
+          <a:chExt cx="0" cy="0"/>
+        </a:xfrm>
+      </p:grpSpPr>
+      <p:pic>
+        <p:nvPicPr>
+          <p:cNvPr id="4" name="图片 3"/>
+          <p:cNvPicPr>
+            <a:picLocks noChangeAspect="1"/>
+          </p:cNvPicPr>
+          <p:nvPr/>
+        </p:nvPicPr>
+        <p:blipFill>
+          <a:blip r:embed="rId2">
+            <a:extLst>
+              <a:ext uri="{28A0092B-C50C-407E-A947-70E740481C1C}">
+                <a14:useLocalDpi xmlns:a14="http://schemas.microsoft.com/office/drawing/2010/main" val="0"/>
+              </a:ext>
+            </a:extLst>
+          </a:blip>
+          <a:stretch>
+            <a:fillRect/>
+          </a:stretch>
+        </p:blipFill>
+        <p:spPr>
+          <a:xfrm>
+            <a:off x="4366080" y="0"/>
+            <a:ext cx="6027942" cy="6835732"/>
+          </a:xfrm>
+          <a:prstGeom prst="rect">
+            <a:avLst/>
+          </a:prstGeom>
+        </p:spPr>
+      </p:pic>
+    </p:spTree>
+    <p:extLst>
+      <p:ext uri="{BB962C8B-B14F-4D97-AF65-F5344CB8AC3E}">
+        <p14:creationId xmlns:p14="http://schemas.microsoft.com/office/powerpoint/2010/main" val="3713667003"/>
+      </p:ext>
+    </p:extLst>
+  </p:cSld>
+  <p:clrMapOvr>
+    <a:masterClrMapping/>
+  </p:clrMapOvr>
+</p:sld>
+</file>
+
+<file path=ppt/slides/slide7.xml><?xml version="1.0" encoding="utf-8"?>
+<p:sld xmlns:a="http://schemas.openxmlformats.org/drawingml/2006/main" xmlns:r="http://schemas.openxmlformats.org/officeDocument/2006/relationships" xmlns:p="http://schemas.openxmlformats.org/presentationml/2006/main">
+  <p:cSld>
+    <p:spTree>
+      <p:nvGrpSpPr>
+        <p:cNvPr id="1" name=""/>
+        <p:cNvGrpSpPr/>
+        <p:nvPr/>
+      </p:nvGrpSpPr>
+      <p:grpSpPr>
+        <a:xfrm>
+          <a:off x="0" y="0"/>
+          <a:ext cx="0" cy="0"/>
+          <a:chOff x="0" y="0"/>
+          <a:chExt cx="0" cy="0"/>
+        </a:xfrm>
+      </p:grpSpPr>
+      <p:sp>
+        <p:nvSpPr>
+          <p:cNvPr id="2" name="矩形 1"/>
+          <p:cNvSpPr/>
+          <p:nvPr/>
+        </p:nvSpPr>
+        <p:spPr>
+          <a:xfrm>
+            <a:off x="1809345" y="1789889"/>
+            <a:ext cx="1546697" cy="875489"/>
+          </a:xfrm>
+          <a:prstGeom prst="rect">
+            <a:avLst/>
+          </a:prstGeom>
+        </p:spPr>
+        <p:style>
+          <a:lnRef idx="2">
+            <a:schemeClr val="accent1">
+              <a:shade val="50000"/>
+            </a:schemeClr>
+          </a:lnRef>
+          <a:fillRef idx="1">
+            <a:schemeClr val="accent1"/>
+          </a:fillRef>
+          <a:effectRef idx="0">
+            <a:schemeClr val="accent1"/>
+          </a:effectRef>
+          <a:fontRef idx="minor">
+            <a:schemeClr val="lt1"/>
+          </a:fontRef>
+        </p:style>
+        <p:txBody>
+          <a:bodyPr rtlCol="0" anchor="ctr"/>
+          <a:lstStyle/>
+          <a:p>
+            <a:pPr algn="ctr"/>
+            <a:r>
+              <a:rPr lang="en-US" altLang="zh-CN" dirty="0" smtClean="0"/>
+              <a:t>Same parameters</a:t>
+            </a:r>
+            <a:endParaRPr lang="zh-CN" altLang="en-US" dirty="0"/>
+          </a:p>
+        </p:txBody>
+      </p:sp>
+      <p:sp>
+        <p:nvSpPr>
+          <p:cNvPr id="5" name="矩形 4"/>
+          <p:cNvSpPr/>
+          <p:nvPr/>
+        </p:nvSpPr>
+        <p:spPr>
+          <a:xfrm>
+            <a:off x="4169923" y="1789888"/>
+            <a:ext cx="1546697" cy="875489"/>
+          </a:xfrm>
+          <a:prstGeom prst="rect">
+            <a:avLst/>
+          </a:prstGeom>
+        </p:spPr>
+        <p:style>
+          <a:lnRef idx="2">
+            <a:schemeClr val="accent1">
+              <a:shade val="50000"/>
+            </a:schemeClr>
+          </a:lnRef>
+          <a:fillRef idx="1">
+            <a:schemeClr val="accent1"/>
+          </a:fillRef>
+          <a:effectRef idx="0">
+            <a:schemeClr val="accent1"/>
+          </a:effectRef>
+          <a:fontRef idx="minor">
+            <a:schemeClr val="lt1"/>
+          </a:fontRef>
+        </p:style>
+        <p:txBody>
+          <a:bodyPr rtlCol="0" anchor="ctr"/>
+          <a:lstStyle/>
+          <a:p>
+            <a:pPr algn="ctr"/>
+            <a:r>
+              <a:rPr lang="en-US" altLang="zh-CN" dirty="0"/>
+              <a:t>Same </a:t>
+            </a:r>
+            <a:r>
+              <a:rPr lang="en-US" altLang="zh-CN" dirty="0" smtClean="0"/>
+              <a:t>parameters</a:t>
+            </a:r>
+            <a:endParaRPr lang="zh-CN" altLang="en-US" dirty="0"/>
+          </a:p>
+        </p:txBody>
+      </p:sp>
+      <p:sp>
+        <p:nvSpPr>
+          <p:cNvPr id="6" name="矩形 5"/>
+          <p:cNvSpPr/>
+          <p:nvPr/>
+        </p:nvSpPr>
+        <p:spPr>
+          <a:xfrm>
+            <a:off x="6530501" y="1789888"/>
+            <a:ext cx="1546697" cy="875489"/>
+          </a:xfrm>
+          <a:prstGeom prst="rect">
+            <a:avLst/>
+          </a:prstGeom>
+        </p:spPr>
+        <p:style>
+          <a:lnRef idx="2">
+            <a:schemeClr val="accent1">
+              <a:shade val="50000"/>
+            </a:schemeClr>
+          </a:lnRef>
+          <a:fillRef idx="1">
+            <a:schemeClr val="accent1"/>
+          </a:fillRef>
+          <a:effectRef idx="0">
+            <a:schemeClr val="accent1"/>
+          </a:effectRef>
+          <a:fontRef idx="minor">
+            <a:schemeClr val="lt1"/>
+          </a:fontRef>
+        </p:style>
+        <p:txBody>
+          <a:bodyPr rtlCol="0" anchor="ctr"/>
+          <a:lstStyle/>
+          <a:p>
+            <a:pPr algn="ctr"/>
+            <a:r>
+              <a:rPr lang="en-US" altLang="zh-CN" dirty="0"/>
+              <a:t>Same </a:t>
+            </a:r>
+            <a:r>
+              <a:rPr lang="en-US" altLang="zh-CN" dirty="0" smtClean="0"/>
+              <a:t>parameters</a:t>
+            </a:r>
+            <a:endParaRPr lang="zh-CN" altLang="en-US" dirty="0"/>
+          </a:p>
+        </p:txBody>
+      </p:sp>
+      <p:sp>
+        <p:nvSpPr>
+          <p:cNvPr id="7" name="矩形 6"/>
+          <p:cNvSpPr/>
+          <p:nvPr/>
+        </p:nvSpPr>
+        <p:spPr>
+          <a:xfrm>
+            <a:off x="8891079" y="1789887"/>
+            <a:ext cx="1546697" cy="875489"/>
+          </a:xfrm>
+          <a:prstGeom prst="rect">
+            <a:avLst/>
+          </a:prstGeom>
+        </p:spPr>
+        <p:style>
+          <a:lnRef idx="2">
+            <a:schemeClr val="accent1">
+              <a:shade val="50000"/>
+            </a:schemeClr>
+          </a:lnRef>
+          <a:fillRef idx="1">
+            <a:schemeClr val="accent1"/>
+          </a:fillRef>
+          <a:effectRef idx="0">
+            <a:schemeClr val="accent1"/>
+          </a:effectRef>
+          <a:fontRef idx="minor">
+            <a:schemeClr val="lt1"/>
+          </a:fontRef>
+        </p:style>
+        <p:txBody>
+          <a:bodyPr rtlCol="0" anchor="ctr"/>
+          <a:lstStyle/>
+          <a:p>
+            <a:pPr algn="ctr"/>
+            <a:r>
+              <a:rPr lang="en-US" altLang="zh-CN" dirty="0"/>
+              <a:t>Same </a:t>
+            </a:r>
+            <a:r>
+              <a:rPr lang="en-US" altLang="zh-CN" dirty="0" smtClean="0"/>
+              <a:t>parameters</a:t>
+            </a:r>
+            <a:endParaRPr lang="zh-CN" altLang="en-US" dirty="0"/>
+          </a:p>
+        </p:txBody>
+      </p:sp>
+      <p:sp>
+        <p:nvSpPr>
+          <p:cNvPr id="3" name="文本框 2"/>
+          <p:cNvSpPr txBox="1"/>
+          <p:nvPr/>
+        </p:nvSpPr>
+        <p:spPr>
+          <a:xfrm>
+            <a:off x="2169268" y="3356361"/>
+            <a:ext cx="1313234" cy="369332"/>
+          </a:xfrm>
+          <a:prstGeom prst="rect">
+            <a:avLst/>
+          </a:prstGeom>
+          <a:noFill/>
+        </p:spPr>
+        <p:txBody>
+          <a:bodyPr wrap="square" rtlCol="0">
+            <a:spAutoFit/>
+          </a:bodyPr>
+          <a:lstStyle/>
+          <a:p>
+            <a:r>
+              <a:rPr lang="en-US" altLang="zh-CN" dirty="0" smtClean="0"/>
+              <a:t>Inputs</a:t>
+            </a:r>
+            <a:endParaRPr lang="zh-CN" altLang="en-US" dirty="0"/>
+          </a:p>
+        </p:txBody>
+      </p:sp>
+      <p:cxnSp>
+        <p:nvCxnSpPr>
+          <p:cNvPr id="9" name="直接连接符 8"/>
+          <p:cNvCxnSpPr/>
+          <p:nvPr/>
+        </p:nvCxnSpPr>
+        <p:spPr>
+          <a:xfrm>
+            <a:off x="1809345" y="719847"/>
+            <a:ext cx="3907275" cy="9727"/>
+          </a:xfrm>
+          <a:prstGeom prst="line">
+            <a:avLst/>
+          </a:prstGeom>
+          <a:ln w="28575"/>
+        </p:spPr>
+        <p:style>
+          <a:lnRef idx="1">
+            <a:schemeClr val="accent1"/>
+          </a:lnRef>
+          <a:fillRef idx="0">
+            <a:schemeClr val="accent1"/>
+          </a:fillRef>
+          <a:effectRef idx="0">
+            <a:schemeClr val="accent1"/>
+          </a:effectRef>
+          <a:fontRef idx="minor">
+            <a:schemeClr val="tx1"/>
+          </a:fontRef>
+        </p:style>
+      </p:cxnSp>
+      <p:cxnSp>
+        <p:nvCxnSpPr>
+          <p:cNvPr id="10" name="直接连接符 9"/>
+          <p:cNvCxnSpPr/>
+          <p:nvPr/>
+        </p:nvCxnSpPr>
+        <p:spPr>
+          <a:xfrm>
+            <a:off x="6530501" y="729574"/>
+            <a:ext cx="3907275" cy="9727"/>
+          </a:xfrm>
+          <a:prstGeom prst="line">
+            <a:avLst/>
+          </a:prstGeom>
+          <a:ln w="28575"/>
+        </p:spPr>
+        <p:style>
+          <a:lnRef idx="1">
+            <a:schemeClr val="accent1"/>
+          </a:lnRef>
+          <a:fillRef idx="0">
+            <a:schemeClr val="accent1"/>
+          </a:fillRef>
+          <a:effectRef idx="0">
+            <a:schemeClr val="accent1"/>
+          </a:effectRef>
+          <a:fontRef idx="minor">
+            <a:schemeClr val="tx1"/>
+          </a:fontRef>
+        </p:style>
+      </p:cxnSp>
+      <p:sp>
+        <p:nvSpPr>
+          <p:cNvPr id="11" name="文本框 10"/>
+          <p:cNvSpPr txBox="1"/>
+          <p:nvPr/>
+        </p:nvSpPr>
+        <p:spPr>
+          <a:xfrm>
+            <a:off x="3279842" y="249677"/>
+            <a:ext cx="1313234" cy="369332"/>
+          </a:xfrm>
+          <a:prstGeom prst="rect">
+            <a:avLst/>
+          </a:prstGeom>
+          <a:noFill/>
+        </p:spPr>
+        <p:txBody>
+          <a:bodyPr wrap="square" rtlCol="0">
+            <a:spAutoFit/>
+          </a:bodyPr>
+          <a:lstStyle/>
+          <a:p>
+            <a:r>
+              <a:rPr lang="en-US" altLang="zh-CN" dirty="0" smtClean="0"/>
+              <a:t>Encoder</a:t>
+            </a:r>
+            <a:endParaRPr lang="zh-CN" altLang="en-US" dirty="0"/>
+          </a:p>
+        </p:txBody>
+      </p:sp>
+      <p:sp>
+        <p:nvSpPr>
+          <p:cNvPr id="12" name="文本框 11"/>
+          <p:cNvSpPr txBox="1"/>
+          <p:nvPr/>
+        </p:nvSpPr>
+        <p:spPr>
+          <a:xfrm>
+            <a:off x="7955604" y="249677"/>
+            <a:ext cx="1313234" cy="369332"/>
+          </a:xfrm>
+          <a:prstGeom prst="rect">
+            <a:avLst/>
+          </a:prstGeom>
+          <a:noFill/>
+        </p:spPr>
+        <p:txBody>
+          <a:bodyPr wrap="square" rtlCol="0">
+            <a:spAutoFit/>
+          </a:bodyPr>
+          <a:lstStyle/>
+          <a:p>
+            <a:r>
+              <a:rPr lang="en-US" altLang="zh-CN" dirty="0" smtClean="0"/>
+              <a:t>Decoder</a:t>
+            </a:r>
+            <a:endParaRPr lang="zh-CN" altLang="en-US" dirty="0"/>
+          </a:p>
+        </p:txBody>
+      </p:sp>
+      <p:sp>
+        <p:nvSpPr>
+          <p:cNvPr id="13" name="文本框 12"/>
+          <p:cNvSpPr txBox="1"/>
+          <p:nvPr/>
+        </p:nvSpPr>
+        <p:spPr>
+          <a:xfrm>
+            <a:off x="2151433" y="779993"/>
+            <a:ext cx="1110574" cy="369332"/>
+          </a:xfrm>
+          <a:prstGeom prst="rect">
+            <a:avLst/>
+          </a:prstGeom>
+          <a:noFill/>
+        </p:spPr>
+        <p:txBody>
+          <a:bodyPr wrap="square" rtlCol="0">
+            <a:spAutoFit/>
+          </a:bodyPr>
+          <a:lstStyle/>
+          <a:p>
+            <a:r>
+              <a:rPr lang="en-US" altLang="zh-CN" dirty="0" smtClean="0"/>
+              <a:t>Outputs</a:t>
+            </a:r>
+            <a:endParaRPr lang="zh-CN" altLang="en-US" dirty="0"/>
+          </a:p>
+        </p:txBody>
+      </p:sp>
+      <p:cxnSp>
+        <p:nvCxnSpPr>
+          <p:cNvPr id="15" name="直接箭头连接符 14"/>
+          <p:cNvCxnSpPr/>
+          <p:nvPr/>
+        </p:nvCxnSpPr>
+        <p:spPr>
+          <a:xfrm flipV="1">
+            <a:off x="2582693" y="2821021"/>
+            <a:ext cx="0" cy="535340"/>
+          </a:xfrm>
+          <a:prstGeom prst="straightConnector1">
+            <a:avLst/>
+          </a:prstGeom>
+          <a:ln w="19050">
+            <a:tailEnd type="triangle"/>
+          </a:ln>
+        </p:spPr>
+        <p:style>
+          <a:lnRef idx="1">
+            <a:schemeClr val="accent1"/>
+          </a:lnRef>
+          <a:fillRef idx="0">
+            <a:schemeClr val="accent1"/>
+          </a:fillRef>
+          <a:effectRef idx="0">
+            <a:schemeClr val="accent1"/>
+          </a:effectRef>
+          <a:fontRef idx="minor">
+            <a:schemeClr val="tx1"/>
+          </a:fontRef>
+        </p:style>
+      </p:cxnSp>
+      <p:cxnSp>
+        <p:nvCxnSpPr>
+          <p:cNvPr id="16" name="直接箭头连接符 15"/>
+          <p:cNvCxnSpPr/>
+          <p:nvPr/>
+        </p:nvCxnSpPr>
+        <p:spPr>
+          <a:xfrm flipV="1">
+            <a:off x="2582693" y="1199744"/>
+            <a:ext cx="0" cy="535340"/>
+          </a:xfrm>
+          <a:prstGeom prst="straightConnector1">
+            <a:avLst/>
+          </a:prstGeom>
+          <a:ln w="19050">
+            <a:tailEnd type="triangle"/>
+          </a:ln>
+        </p:spPr>
+        <p:style>
+          <a:lnRef idx="1">
+            <a:schemeClr val="accent1"/>
+          </a:lnRef>
+          <a:fillRef idx="0">
+            <a:schemeClr val="accent1"/>
+          </a:fillRef>
+          <a:effectRef idx="0">
+            <a:schemeClr val="accent1"/>
+          </a:effectRef>
+          <a:fontRef idx="minor">
+            <a:schemeClr val="tx1"/>
+          </a:fontRef>
+        </p:style>
+      </p:cxnSp>
+      <p:sp>
+        <p:nvSpPr>
+          <p:cNvPr id="17" name="文本框 16"/>
+          <p:cNvSpPr txBox="1"/>
+          <p:nvPr/>
+        </p:nvSpPr>
+        <p:spPr>
+          <a:xfrm>
+            <a:off x="4432575" y="3300287"/>
+            <a:ext cx="1313234" cy="369332"/>
+          </a:xfrm>
+          <a:prstGeom prst="rect">
+            <a:avLst/>
+          </a:prstGeom>
+          <a:noFill/>
+        </p:spPr>
+        <p:txBody>
+          <a:bodyPr wrap="square" rtlCol="0">
+            <a:spAutoFit/>
+          </a:bodyPr>
+          <a:lstStyle/>
+          <a:p>
+            <a:r>
+              <a:rPr lang="en-US" altLang="zh-CN" dirty="0" smtClean="0"/>
+              <a:t>Inputs</a:t>
+            </a:r>
+            <a:endParaRPr lang="zh-CN" altLang="en-US" dirty="0"/>
+          </a:p>
+        </p:txBody>
+      </p:sp>
+      <p:sp>
+        <p:nvSpPr>
+          <p:cNvPr id="18" name="文本框 17"/>
+          <p:cNvSpPr txBox="1"/>
+          <p:nvPr/>
+        </p:nvSpPr>
+        <p:spPr>
+          <a:xfrm>
+            <a:off x="4343406" y="751956"/>
+            <a:ext cx="1005187" cy="369332"/>
+          </a:xfrm>
+          <a:prstGeom prst="rect">
+            <a:avLst/>
+          </a:prstGeom>
+          <a:noFill/>
+        </p:spPr>
+        <p:txBody>
+          <a:bodyPr wrap="square" rtlCol="0">
+            <a:spAutoFit/>
+          </a:bodyPr>
+          <a:lstStyle/>
+          <a:p>
+            <a:r>
+              <a:rPr lang="en-US" altLang="zh-CN" dirty="0" smtClean="0"/>
+              <a:t>Outputs</a:t>
+            </a:r>
+            <a:endParaRPr lang="zh-CN" altLang="en-US" dirty="0"/>
+          </a:p>
+        </p:txBody>
+      </p:sp>
+      <p:cxnSp>
+        <p:nvCxnSpPr>
+          <p:cNvPr id="19" name="直接箭头连接符 18"/>
+          <p:cNvCxnSpPr/>
+          <p:nvPr/>
+        </p:nvCxnSpPr>
+        <p:spPr>
+          <a:xfrm flipV="1">
+            <a:off x="4846000" y="2764947"/>
+            <a:ext cx="0" cy="535340"/>
+          </a:xfrm>
+          <a:prstGeom prst="straightConnector1">
+            <a:avLst/>
+          </a:prstGeom>
+          <a:ln w="19050">
+            <a:tailEnd type="triangle"/>
+          </a:ln>
+        </p:spPr>
+        <p:style>
+          <a:lnRef idx="1">
+            <a:schemeClr val="accent1"/>
+          </a:lnRef>
+          <a:fillRef idx="0">
+            <a:schemeClr val="accent1"/>
+          </a:fillRef>
+          <a:effectRef idx="0">
+            <a:schemeClr val="accent1"/>
+          </a:effectRef>
+          <a:fontRef idx="minor">
+            <a:schemeClr val="tx1"/>
+          </a:fontRef>
+        </p:style>
+      </p:cxnSp>
+      <p:cxnSp>
+        <p:nvCxnSpPr>
+          <p:cNvPr id="20" name="直接箭头连接符 19"/>
+          <p:cNvCxnSpPr/>
+          <p:nvPr/>
+        </p:nvCxnSpPr>
+        <p:spPr>
+          <a:xfrm flipV="1">
+            <a:off x="4846000" y="1143670"/>
+            <a:ext cx="0" cy="535340"/>
+          </a:xfrm>
+          <a:prstGeom prst="straightConnector1">
+            <a:avLst/>
+          </a:prstGeom>
+          <a:ln w="19050">
+            <a:tailEnd type="triangle"/>
+          </a:ln>
+        </p:spPr>
+        <p:style>
+          <a:lnRef idx="1">
+            <a:schemeClr val="accent1"/>
+          </a:lnRef>
+          <a:fillRef idx="0">
+            <a:schemeClr val="accent1"/>
+          </a:fillRef>
+          <a:effectRef idx="0">
+            <a:schemeClr val="accent1"/>
+          </a:effectRef>
+          <a:fontRef idx="minor">
+            <a:schemeClr val="tx1"/>
+          </a:fontRef>
+        </p:style>
+      </p:cxnSp>
+      <p:sp>
+        <p:nvSpPr>
+          <p:cNvPr id="21" name="文本框 20"/>
+          <p:cNvSpPr txBox="1"/>
+          <p:nvPr/>
+        </p:nvSpPr>
+        <p:spPr>
+          <a:xfrm>
+            <a:off x="6832073" y="3297044"/>
+            <a:ext cx="1313234" cy="369332"/>
+          </a:xfrm>
+          <a:prstGeom prst="rect">
+            <a:avLst/>
+          </a:prstGeom>
+          <a:noFill/>
+        </p:spPr>
+        <p:txBody>
+          <a:bodyPr wrap="square" rtlCol="0">
+            <a:spAutoFit/>
+          </a:bodyPr>
+          <a:lstStyle/>
+          <a:p>
+            <a:r>
+              <a:rPr lang="en-US" altLang="zh-CN" dirty="0" smtClean="0"/>
+              <a:t>Inputs</a:t>
+            </a:r>
+            <a:endParaRPr lang="zh-CN" altLang="en-US" dirty="0"/>
+          </a:p>
+        </p:txBody>
+      </p:sp>
+      <p:sp>
+        <p:nvSpPr>
+          <p:cNvPr id="22" name="文本框 21"/>
+          <p:cNvSpPr txBox="1"/>
+          <p:nvPr/>
+        </p:nvSpPr>
+        <p:spPr>
+          <a:xfrm>
+            <a:off x="6742903" y="748713"/>
+            <a:ext cx="1005187" cy="369332"/>
+          </a:xfrm>
+          <a:prstGeom prst="rect">
+            <a:avLst/>
+          </a:prstGeom>
+          <a:noFill/>
+        </p:spPr>
+        <p:txBody>
+          <a:bodyPr wrap="square" rtlCol="0">
+            <a:spAutoFit/>
+          </a:bodyPr>
+          <a:lstStyle/>
+          <a:p>
+            <a:r>
+              <a:rPr lang="en-US" altLang="zh-CN" dirty="0" smtClean="0"/>
+              <a:t>Outputs</a:t>
+            </a:r>
+            <a:endParaRPr lang="zh-CN" altLang="en-US" dirty="0"/>
+          </a:p>
+        </p:txBody>
+      </p:sp>
+      <p:cxnSp>
+        <p:nvCxnSpPr>
+          <p:cNvPr id="23" name="直接箭头连接符 22"/>
+          <p:cNvCxnSpPr/>
+          <p:nvPr/>
+        </p:nvCxnSpPr>
+        <p:spPr>
+          <a:xfrm flipV="1">
+            <a:off x="7245498" y="2761704"/>
+            <a:ext cx="0" cy="535340"/>
+          </a:xfrm>
+          <a:prstGeom prst="straightConnector1">
+            <a:avLst/>
+          </a:prstGeom>
+          <a:ln w="19050">
+            <a:tailEnd type="triangle"/>
+          </a:ln>
+        </p:spPr>
+        <p:style>
+          <a:lnRef idx="1">
+            <a:schemeClr val="accent1"/>
+          </a:lnRef>
+          <a:fillRef idx="0">
+            <a:schemeClr val="accent1"/>
+          </a:fillRef>
+          <a:effectRef idx="0">
+            <a:schemeClr val="accent1"/>
+          </a:effectRef>
+          <a:fontRef idx="minor">
+            <a:schemeClr val="tx1"/>
+          </a:fontRef>
+        </p:style>
+      </p:cxnSp>
+      <p:cxnSp>
+        <p:nvCxnSpPr>
+          <p:cNvPr id="24" name="直接箭头连接符 23"/>
+          <p:cNvCxnSpPr/>
+          <p:nvPr/>
+        </p:nvCxnSpPr>
+        <p:spPr>
+          <a:xfrm flipV="1">
+            <a:off x="7216314" y="1140427"/>
+            <a:ext cx="0" cy="535340"/>
+          </a:xfrm>
+          <a:prstGeom prst="straightConnector1">
+            <a:avLst/>
+          </a:prstGeom>
+          <a:ln w="19050">
+            <a:tailEnd type="triangle"/>
+          </a:ln>
+        </p:spPr>
+        <p:style>
+          <a:lnRef idx="1">
+            <a:schemeClr val="accent1"/>
+          </a:lnRef>
+          <a:fillRef idx="0">
+            <a:schemeClr val="accent1"/>
+          </a:fillRef>
+          <a:effectRef idx="0">
+            <a:schemeClr val="accent1"/>
+          </a:effectRef>
+          <a:fontRef idx="minor">
+            <a:schemeClr val="tx1"/>
+          </a:fontRef>
+        </p:style>
+      </p:cxnSp>
+      <p:sp>
+        <p:nvSpPr>
+          <p:cNvPr id="25" name="文本框 24"/>
+          <p:cNvSpPr txBox="1"/>
+          <p:nvPr/>
+        </p:nvSpPr>
+        <p:spPr>
+          <a:xfrm>
+            <a:off x="9254268" y="3326227"/>
+            <a:ext cx="1313234" cy="369332"/>
+          </a:xfrm>
+          <a:prstGeom prst="rect">
+            <a:avLst/>
+          </a:prstGeom>
+          <a:noFill/>
+        </p:spPr>
+        <p:txBody>
+          <a:bodyPr wrap="square" rtlCol="0">
+            <a:spAutoFit/>
+          </a:bodyPr>
+          <a:lstStyle/>
+          <a:p>
+            <a:r>
+              <a:rPr lang="en-US" altLang="zh-CN" dirty="0" smtClean="0"/>
+              <a:t>Inputs</a:t>
+            </a:r>
+            <a:endParaRPr lang="zh-CN" altLang="en-US" dirty="0"/>
+          </a:p>
+        </p:txBody>
+      </p:sp>
+      <p:sp>
+        <p:nvSpPr>
+          <p:cNvPr id="26" name="文本框 25"/>
+          <p:cNvSpPr txBox="1"/>
+          <p:nvPr/>
+        </p:nvSpPr>
+        <p:spPr>
+          <a:xfrm>
+            <a:off x="9165099" y="777896"/>
+            <a:ext cx="1005187" cy="369332"/>
+          </a:xfrm>
+          <a:prstGeom prst="rect">
+            <a:avLst/>
+          </a:prstGeom>
+          <a:noFill/>
+        </p:spPr>
+        <p:txBody>
+          <a:bodyPr wrap="square" rtlCol="0">
+            <a:spAutoFit/>
+          </a:bodyPr>
+          <a:lstStyle/>
+          <a:p>
+            <a:r>
+              <a:rPr lang="en-US" altLang="zh-CN" dirty="0" smtClean="0"/>
+              <a:t>Outputs</a:t>
+            </a:r>
+            <a:endParaRPr lang="zh-CN" altLang="en-US" dirty="0"/>
+          </a:p>
+        </p:txBody>
+      </p:sp>
+      <p:cxnSp>
+        <p:nvCxnSpPr>
+          <p:cNvPr id="27" name="直接箭头连接符 26"/>
+          <p:cNvCxnSpPr/>
+          <p:nvPr/>
+        </p:nvCxnSpPr>
+        <p:spPr>
+          <a:xfrm flipV="1">
+            <a:off x="9667693" y="2790887"/>
+            <a:ext cx="0" cy="535340"/>
+          </a:xfrm>
+          <a:prstGeom prst="straightConnector1">
+            <a:avLst/>
+          </a:prstGeom>
+          <a:ln w="19050">
+            <a:tailEnd type="triangle"/>
+          </a:ln>
+        </p:spPr>
+        <p:style>
+          <a:lnRef idx="1">
+            <a:schemeClr val="accent1"/>
+          </a:lnRef>
+          <a:fillRef idx="0">
+            <a:schemeClr val="accent1"/>
+          </a:fillRef>
+          <a:effectRef idx="0">
+            <a:schemeClr val="accent1"/>
+          </a:effectRef>
+          <a:fontRef idx="minor">
+            <a:schemeClr val="tx1"/>
+          </a:fontRef>
+        </p:style>
+      </p:cxnSp>
+      <p:cxnSp>
+        <p:nvCxnSpPr>
+          <p:cNvPr id="28" name="直接箭头连接符 27"/>
+          <p:cNvCxnSpPr/>
+          <p:nvPr/>
+        </p:nvCxnSpPr>
+        <p:spPr>
+          <a:xfrm flipV="1">
+            <a:off x="9667693" y="1169610"/>
+            <a:ext cx="0" cy="535340"/>
+          </a:xfrm>
+          <a:prstGeom prst="straightConnector1">
+            <a:avLst/>
+          </a:prstGeom>
+          <a:ln w="19050">
+            <a:tailEnd type="triangle"/>
+          </a:ln>
+        </p:spPr>
+        <p:style>
+          <a:lnRef idx="1">
+            <a:schemeClr val="accent1"/>
+          </a:lnRef>
+          <a:fillRef idx="0">
+            <a:schemeClr val="accent1"/>
+          </a:fillRef>
+          <a:effectRef idx="0">
+            <a:schemeClr val="accent1"/>
+          </a:effectRef>
+          <a:fontRef idx="minor">
+            <a:schemeClr val="tx1"/>
+          </a:fontRef>
+        </p:style>
+      </p:cxnSp>
+      <p:cxnSp>
+        <p:nvCxnSpPr>
+          <p:cNvPr id="30" name="肘形连接符 29"/>
+          <p:cNvCxnSpPr>
+            <a:stCxn id="13" idx="3"/>
+            <a:endCxn id="17" idx="1"/>
+          </p:cNvCxnSpPr>
+          <p:nvPr/>
+        </p:nvCxnSpPr>
+        <p:spPr>
+          <a:xfrm>
+            <a:off x="3262007" y="964659"/>
+            <a:ext cx="1170568" cy="2520294"/>
+          </a:xfrm>
+          <a:prstGeom prst="bentConnector3">
+            <a:avLst/>
+          </a:prstGeom>
+          <a:ln w="15875">
+            <a:tailEnd type="triangle"/>
+          </a:ln>
+        </p:spPr>
+        <p:style>
+          <a:lnRef idx="1">
+            <a:schemeClr val="accent1"/>
+          </a:lnRef>
+          <a:fillRef idx="0">
+            <a:schemeClr val="accent1"/>
+          </a:fillRef>
+          <a:effectRef idx="0">
+            <a:schemeClr val="accent1"/>
+          </a:effectRef>
+          <a:fontRef idx="minor">
+            <a:schemeClr val="tx1"/>
+          </a:fontRef>
+        </p:style>
+      </p:cxnSp>
+      <p:cxnSp>
+        <p:nvCxnSpPr>
+          <p:cNvPr id="31" name="肘形连接符 30"/>
+          <p:cNvCxnSpPr/>
+          <p:nvPr/>
+        </p:nvCxnSpPr>
+        <p:spPr>
+          <a:xfrm>
+            <a:off x="5359933" y="961416"/>
+            <a:ext cx="1170568" cy="2520294"/>
+          </a:xfrm>
+          <a:prstGeom prst="bentConnector3">
+            <a:avLst/>
+          </a:prstGeom>
+          <a:ln w="15875">
+            <a:tailEnd type="triangle"/>
+          </a:ln>
+        </p:spPr>
+        <p:style>
+          <a:lnRef idx="1">
+            <a:schemeClr val="accent1"/>
+          </a:lnRef>
+          <a:fillRef idx="0">
+            <a:schemeClr val="accent1"/>
+          </a:fillRef>
+          <a:effectRef idx="0">
+            <a:schemeClr val="accent1"/>
+          </a:effectRef>
+          <a:fontRef idx="minor">
+            <a:schemeClr val="tx1"/>
+          </a:fontRef>
+        </p:style>
+      </p:cxnSp>
+      <p:cxnSp>
+        <p:nvCxnSpPr>
+          <p:cNvPr id="32" name="肘形连接符 31"/>
+          <p:cNvCxnSpPr/>
+          <p:nvPr/>
+        </p:nvCxnSpPr>
+        <p:spPr>
+          <a:xfrm>
+            <a:off x="7894001" y="960465"/>
+            <a:ext cx="1170568" cy="2520294"/>
+          </a:xfrm>
+          <a:prstGeom prst="bentConnector3">
+            <a:avLst/>
+          </a:prstGeom>
+          <a:ln w="15875">
+            <a:tailEnd type="triangle"/>
+          </a:ln>
+        </p:spPr>
+        <p:style>
+          <a:lnRef idx="1">
+            <a:schemeClr val="accent1"/>
+          </a:lnRef>
+          <a:fillRef idx="0">
+            <a:schemeClr val="accent1"/>
+          </a:fillRef>
+          <a:effectRef idx="0">
+            <a:schemeClr val="accent1"/>
+          </a:effectRef>
+          <a:fontRef idx="minor">
+            <a:schemeClr val="tx1"/>
+          </a:fontRef>
+        </p:style>
+      </p:cxnSp>
+      <p:sp>
+        <p:nvSpPr>
+          <p:cNvPr id="33" name="文本框 32"/>
+          <p:cNvSpPr txBox="1"/>
+          <p:nvPr/>
+        </p:nvSpPr>
+        <p:spPr>
+          <a:xfrm>
+            <a:off x="330747" y="4811984"/>
+            <a:ext cx="11384606" cy="875881"/>
+          </a:xfrm>
+          <a:prstGeom prst="rect">
+            <a:avLst/>
+          </a:prstGeom>
+          <a:noFill/>
+        </p:spPr>
+        <p:txBody>
+          <a:bodyPr wrap="square" rtlCol="0">
+            <a:spAutoFit/>
+          </a:bodyPr>
+          <a:lstStyle/>
+          <a:p>
+            <a:pPr>
+              <a:lnSpc>
+                <a:spcPct val="150000"/>
+              </a:lnSpc>
+            </a:pPr>
+            <a:r>
+              <a:rPr lang="en-US" altLang="zh-CN" dirty="0" smtClean="0"/>
+              <a:t>Train Part: 1. </a:t>
+            </a:r>
+            <a:r>
+              <a:rPr lang="zh-CN" altLang="en-US" dirty="0" smtClean="0"/>
+              <a:t>全程</a:t>
+            </a:r>
+            <a:r>
+              <a:rPr lang="en-US" altLang="zh-CN" dirty="0" smtClean="0"/>
+              <a:t>Teacher forcing</a:t>
+            </a:r>
+            <a:r>
+              <a:rPr lang="zh-CN" altLang="en-US" dirty="0" smtClean="0"/>
+              <a:t>，不填充</a:t>
+            </a:r>
+            <a:r>
+              <a:rPr lang="en-US" altLang="zh-CN" dirty="0" smtClean="0"/>
+              <a:t>inputs</a:t>
+            </a:r>
+            <a:r>
+              <a:rPr lang="zh-CN" altLang="en-US" dirty="0" smtClean="0"/>
+              <a:t>；</a:t>
+            </a:r>
+            <a:r>
+              <a:rPr lang="en-US" altLang="zh-CN" dirty="0" smtClean="0"/>
+              <a:t>2. </a:t>
+            </a:r>
+            <a:r>
+              <a:rPr lang="zh-CN" altLang="en-US" dirty="0" smtClean="0"/>
+              <a:t>对所有</a:t>
+            </a:r>
+            <a:r>
+              <a:rPr lang="en-US" altLang="zh-CN" dirty="0" smtClean="0"/>
+              <a:t>time step</a:t>
+            </a:r>
+            <a:r>
+              <a:rPr lang="zh-CN" altLang="en-US" dirty="0" smtClean="0"/>
+              <a:t>进行</a:t>
+            </a:r>
+            <a:r>
+              <a:rPr lang="en-US" altLang="zh-CN" dirty="0" smtClean="0"/>
+              <a:t>train(Total step: 155);</a:t>
+            </a:r>
+          </a:p>
+          <a:p>
+            <a:pPr>
+              <a:lnSpc>
+                <a:spcPct val="150000"/>
+              </a:lnSpc>
+            </a:pPr>
+            <a:r>
+              <a:rPr lang="en-US" altLang="zh-CN" dirty="0" smtClean="0"/>
+              <a:t>Test Part: 1. </a:t>
+            </a:r>
+            <a:r>
+              <a:rPr lang="zh-CN" altLang="en-US" dirty="0" smtClean="0"/>
+              <a:t>在</a:t>
+            </a:r>
+            <a:r>
+              <a:rPr lang="en-US" altLang="zh-CN" dirty="0" smtClean="0"/>
+              <a:t>decoder</a:t>
+            </a:r>
+            <a:r>
+              <a:rPr lang="zh-CN" altLang="en-US" dirty="0" smtClean="0"/>
+              <a:t>部分，</a:t>
+            </a:r>
+            <a:r>
+              <a:rPr lang="en-US" altLang="zh-CN" dirty="0" smtClean="0"/>
+              <a:t>teacher forcing</a:t>
+            </a:r>
+            <a:r>
+              <a:rPr lang="zh-CN" altLang="en-US" dirty="0"/>
+              <a:t> </a:t>
+            </a:r>
+            <a:r>
+              <a:rPr lang="en-US" altLang="zh-CN" dirty="0" smtClean="0"/>
+              <a:t>= None</a:t>
+            </a:r>
+            <a:r>
+              <a:rPr lang="zh-CN" altLang="en-US" dirty="0" smtClean="0"/>
+              <a:t>；</a:t>
+            </a:r>
+            <a:r>
+              <a:rPr lang="en-US" altLang="zh-CN" dirty="0" smtClean="0"/>
+              <a:t>2. </a:t>
+            </a:r>
+            <a:r>
+              <a:rPr lang="zh-CN" altLang="en-US" dirty="0" smtClean="0"/>
+              <a:t>随着预测的时间越靠后，</a:t>
+            </a:r>
+            <a:r>
+              <a:rPr lang="en-US" altLang="zh-CN" dirty="0" smtClean="0"/>
+              <a:t>predict</a:t>
+            </a:r>
+            <a:r>
+              <a:rPr lang="zh-CN" altLang="en-US" dirty="0" smtClean="0"/>
+              <a:t>的</a:t>
+            </a:r>
+            <a:r>
+              <a:rPr lang="en-US" altLang="zh-CN" dirty="0" smtClean="0"/>
+              <a:t>step</a:t>
+            </a:r>
+            <a:r>
+              <a:rPr lang="zh-CN" altLang="en-US" dirty="0" smtClean="0"/>
+              <a:t>数据更多</a:t>
+            </a:r>
+            <a:r>
+              <a:rPr lang="en-US" altLang="zh-CN" dirty="0" smtClean="0"/>
+              <a:t>;</a:t>
+            </a:r>
+            <a:endParaRPr lang="zh-CN" altLang="en-US" dirty="0"/>
+          </a:p>
+        </p:txBody>
+      </p:sp>
+      <p:sp>
+        <p:nvSpPr>
+          <p:cNvPr id="34" name="左大括号 33"/>
+          <p:cNvSpPr/>
+          <p:nvPr/>
+        </p:nvSpPr>
+        <p:spPr>
+          <a:xfrm rot="16200000">
+            <a:off x="4704949" y="1574250"/>
+            <a:ext cx="359924" cy="4662806"/>
+          </a:xfrm>
+          <a:prstGeom prst="leftBrace">
+            <a:avLst/>
+          </a:prstGeom>
+          <a:ln w="15875"/>
+        </p:spPr>
+        <p:style>
+          <a:lnRef idx="1">
+            <a:schemeClr val="accent1"/>
+          </a:lnRef>
+          <a:fillRef idx="0">
+            <a:schemeClr val="accent1"/>
+          </a:fillRef>
+          <a:effectRef idx="0">
+            <a:schemeClr val="accent1"/>
+          </a:effectRef>
+          <a:fontRef idx="minor">
+            <a:schemeClr val="tx1"/>
+          </a:fontRef>
+        </p:style>
+        <p:txBody>
+          <a:bodyPr rtlCol="0" anchor="ctr"/>
+          <a:lstStyle/>
+          <a:p>
+            <a:pPr algn="ctr"/>
+            <a:endParaRPr lang="zh-CN" altLang="en-US"/>
+          </a:p>
+        </p:txBody>
+      </p:sp>
+      <p:sp>
+        <p:nvSpPr>
+          <p:cNvPr id="35" name="左大括号 34"/>
+          <p:cNvSpPr/>
+          <p:nvPr/>
+        </p:nvSpPr>
+        <p:spPr>
+          <a:xfrm rot="16200000">
+            <a:off x="5911182" y="818165"/>
+            <a:ext cx="359924" cy="7153097"/>
+          </a:xfrm>
+          <a:prstGeom prst="leftBrace">
+            <a:avLst/>
+          </a:prstGeom>
+          <a:ln w="15875"/>
+        </p:spPr>
+        <p:style>
+          <a:lnRef idx="1">
+            <a:schemeClr val="accent1"/>
+          </a:lnRef>
+          <a:fillRef idx="0">
+            <a:schemeClr val="accent1"/>
+          </a:fillRef>
+          <a:effectRef idx="0">
+            <a:schemeClr val="accent1"/>
+          </a:effectRef>
+          <a:fontRef idx="minor">
+            <a:schemeClr val="tx1"/>
+          </a:fontRef>
+        </p:style>
+        <p:txBody>
+          <a:bodyPr rtlCol="0" anchor="ctr"/>
+          <a:lstStyle/>
+          <a:p>
+            <a:pPr algn="ctr"/>
+            <a:endParaRPr lang="zh-CN" altLang="en-US"/>
+          </a:p>
+        </p:txBody>
+      </p:sp>
+      <p:sp>
+        <p:nvSpPr>
+          <p:cNvPr id="36" name="文本框 35"/>
+          <p:cNvSpPr txBox="1"/>
+          <p:nvPr/>
+        </p:nvSpPr>
+        <p:spPr>
+          <a:xfrm>
+            <a:off x="5060002" y="3957020"/>
+            <a:ext cx="1313234" cy="369332"/>
+          </a:xfrm>
+          <a:prstGeom prst="rect">
+            <a:avLst/>
+          </a:prstGeom>
+          <a:noFill/>
+        </p:spPr>
+        <p:txBody>
+          <a:bodyPr wrap="square" rtlCol="0">
+            <a:spAutoFit/>
+          </a:bodyPr>
+          <a:lstStyle/>
+          <a:p>
+            <a:r>
+              <a:rPr lang="en-US" altLang="zh-CN" dirty="0" smtClean="0"/>
+              <a:t>Predict 1</a:t>
+            </a:r>
+            <a:endParaRPr lang="zh-CN" altLang="en-US" dirty="0"/>
+          </a:p>
+        </p:txBody>
+      </p:sp>
+      <p:sp>
+        <p:nvSpPr>
+          <p:cNvPr id="37" name="文本框 36"/>
+          <p:cNvSpPr txBox="1"/>
+          <p:nvPr/>
+        </p:nvSpPr>
+        <p:spPr>
+          <a:xfrm>
+            <a:off x="6301900" y="4464940"/>
+            <a:ext cx="1313234" cy="369332"/>
+          </a:xfrm>
+          <a:prstGeom prst="rect">
+            <a:avLst/>
+          </a:prstGeom>
+          <a:noFill/>
+        </p:spPr>
+        <p:txBody>
+          <a:bodyPr wrap="square" rtlCol="0">
+            <a:spAutoFit/>
+          </a:bodyPr>
+          <a:lstStyle/>
+          <a:p>
+            <a:r>
+              <a:rPr lang="en-US" altLang="zh-CN" dirty="0" smtClean="0"/>
+              <a:t>Predict 2</a:t>
+            </a:r>
+            <a:endParaRPr lang="zh-CN" altLang="en-US" dirty="0"/>
+          </a:p>
+        </p:txBody>
+      </p:sp>
+      <p:sp>
+        <p:nvSpPr>
+          <p:cNvPr id="38" name="文本框 37"/>
+          <p:cNvSpPr txBox="1"/>
+          <p:nvPr/>
+        </p:nvSpPr>
+        <p:spPr>
+          <a:xfrm>
+            <a:off x="345340" y="5724390"/>
+            <a:ext cx="11384606" cy="507831"/>
+          </a:xfrm>
+          <a:prstGeom prst="rect">
+            <a:avLst/>
+          </a:prstGeom>
+          <a:noFill/>
+        </p:spPr>
+        <p:txBody>
+          <a:bodyPr wrap="square" rtlCol="0">
+            <a:spAutoFit/>
+          </a:bodyPr>
+          <a:lstStyle/>
+          <a:p>
+            <a:pPr>
+              <a:lnSpc>
+                <a:spcPct val="150000"/>
+              </a:lnSpc>
+            </a:pPr>
+            <a:r>
+              <a:rPr lang="en-US" altLang="zh-CN" dirty="0" smtClean="0"/>
+              <a:t>Mask: torch.tril(</a:t>
+            </a:r>
+            <a:r>
+              <a:rPr lang="en-US" altLang="zh-CN" dirty="0" err="1" smtClean="0"/>
+              <a:t>torch.zeros</a:t>
+            </a:r>
+            <a:r>
+              <a:rPr lang="en-US" altLang="zh-CN" dirty="0" smtClean="0"/>
+              <a:t>(time_step, time_step)) </a:t>
+            </a:r>
+            <a:r>
+              <a:rPr lang="zh-CN" altLang="en-US" dirty="0" smtClean="0"/>
+              <a:t>只取下三角数据为</a:t>
+            </a:r>
+            <a:r>
+              <a:rPr lang="en-US" altLang="zh-CN" dirty="0" smtClean="0"/>
+              <a:t>1</a:t>
+            </a:r>
+            <a:r>
+              <a:rPr lang="zh-CN" altLang="en-US" dirty="0" smtClean="0"/>
+              <a:t>点，</a:t>
+            </a:r>
+            <a:r>
+              <a:rPr lang="en-US" altLang="zh-CN" dirty="0" err="1"/>
+              <a:t>T</a:t>
+            </a:r>
+            <a:r>
+              <a:rPr lang="en-US" altLang="zh-CN" dirty="0" err="1" smtClean="0"/>
+              <a:t>ensor.masked_fill</a:t>
+            </a:r>
+            <a:r>
+              <a:rPr lang="en-US" altLang="zh-CN" dirty="0" smtClean="0"/>
+              <a:t>(mask==0, -1e10) </a:t>
+            </a:r>
+            <a:endParaRPr lang="zh-CN" altLang="en-US" dirty="0"/>
+          </a:p>
+        </p:txBody>
+      </p:sp>
+    </p:spTree>
+    <p:extLst>
+      <p:ext uri="{BB962C8B-B14F-4D97-AF65-F5344CB8AC3E}">
+        <p14:creationId xmlns:p14="http://schemas.microsoft.com/office/powerpoint/2010/main" val="813192786"/>
       </p:ext>
     </p:extLst>
   </p:cSld>
